--- a/figs/drawings.pptx
+++ b/figs/drawings.pptx
@@ -7,6 +7,8 @@
   <p:sldIdLst>
     <p:sldId id="256" r:id="rId2"/>
     <p:sldId id="257" r:id="rId3"/>
+    <p:sldId id="258" r:id="rId4"/>
+    <p:sldId id="259" r:id="rId5"/>
   </p:sldIdLst>
   <p:sldSz cx="12192000" cy="6858000"/>
   <p:notesSz cx="6858000" cy="9144000"/>
@@ -105,6 +107,11 @@
       </a:defRPr>
     </a:lvl9pPr>
   </p:defaultTextStyle>
+  <p:extLst>
+    <p:ext uri="{EFAFB233-063F-42B5-8137-9DF3F51BA10A}">
+      <p15:sldGuideLst xmlns:p15="http://schemas.microsoft.com/office/powerpoint/2012/main"/>
+    </p:ext>
+  </p:extLst>
 </p:presentation>
 </file>
 
@@ -255,7 +262,7 @@
           <a:p>
             <a:fld id="{34C29F01-24A1-46F5-909F-DE641348926B}" type="datetimeFigureOut">
               <a:rPr lang="en-US" smtClean="0"/>
-              <a:t>9/3/2024</a:t>
+              <a:t>9/4/2024</a:t>
             </a:fld>
             <a:endParaRPr lang="en-US"/>
           </a:p>
@@ -453,7 +460,7 @@
           <a:p>
             <a:fld id="{34C29F01-24A1-46F5-909F-DE641348926B}" type="datetimeFigureOut">
               <a:rPr lang="en-US" smtClean="0"/>
-              <a:t>9/3/2024</a:t>
+              <a:t>9/4/2024</a:t>
             </a:fld>
             <a:endParaRPr lang="en-US"/>
           </a:p>
@@ -661,7 +668,7 @@
           <a:p>
             <a:fld id="{34C29F01-24A1-46F5-909F-DE641348926B}" type="datetimeFigureOut">
               <a:rPr lang="en-US" smtClean="0"/>
-              <a:t>9/3/2024</a:t>
+              <a:t>9/4/2024</a:t>
             </a:fld>
             <a:endParaRPr lang="en-US"/>
           </a:p>
@@ -859,7 +866,7 @@
           <a:p>
             <a:fld id="{34C29F01-24A1-46F5-909F-DE641348926B}" type="datetimeFigureOut">
               <a:rPr lang="en-US" smtClean="0"/>
-              <a:t>9/3/2024</a:t>
+              <a:t>9/4/2024</a:t>
             </a:fld>
             <a:endParaRPr lang="en-US"/>
           </a:p>
@@ -1134,7 +1141,7 @@
           <a:p>
             <a:fld id="{34C29F01-24A1-46F5-909F-DE641348926B}" type="datetimeFigureOut">
               <a:rPr lang="en-US" smtClean="0"/>
-              <a:t>9/3/2024</a:t>
+              <a:t>9/4/2024</a:t>
             </a:fld>
             <a:endParaRPr lang="en-US"/>
           </a:p>
@@ -1399,7 +1406,7 @@
           <a:p>
             <a:fld id="{34C29F01-24A1-46F5-909F-DE641348926B}" type="datetimeFigureOut">
               <a:rPr lang="en-US" smtClean="0"/>
-              <a:t>9/3/2024</a:t>
+              <a:t>9/4/2024</a:t>
             </a:fld>
             <a:endParaRPr lang="en-US"/>
           </a:p>
@@ -1811,7 +1818,7 @@
           <a:p>
             <a:fld id="{34C29F01-24A1-46F5-909F-DE641348926B}" type="datetimeFigureOut">
               <a:rPr lang="en-US" smtClean="0"/>
-              <a:t>9/3/2024</a:t>
+              <a:t>9/4/2024</a:t>
             </a:fld>
             <a:endParaRPr lang="en-US"/>
           </a:p>
@@ -1952,7 +1959,7 @@
           <a:p>
             <a:fld id="{34C29F01-24A1-46F5-909F-DE641348926B}" type="datetimeFigureOut">
               <a:rPr lang="en-US" smtClean="0"/>
-              <a:t>9/3/2024</a:t>
+              <a:t>9/4/2024</a:t>
             </a:fld>
             <a:endParaRPr lang="en-US"/>
           </a:p>
@@ -2065,7 +2072,7 @@
           <a:p>
             <a:fld id="{34C29F01-24A1-46F5-909F-DE641348926B}" type="datetimeFigureOut">
               <a:rPr lang="en-US" smtClean="0"/>
-              <a:t>9/3/2024</a:t>
+              <a:t>9/4/2024</a:t>
             </a:fld>
             <a:endParaRPr lang="en-US"/>
           </a:p>
@@ -2376,7 +2383,7 @@
           <a:p>
             <a:fld id="{34C29F01-24A1-46F5-909F-DE641348926B}" type="datetimeFigureOut">
               <a:rPr lang="en-US" smtClean="0"/>
-              <a:t>9/3/2024</a:t>
+              <a:t>9/4/2024</a:t>
             </a:fld>
             <a:endParaRPr lang="en-US"/>
           </a:p>
@@ -2664,7 +2671,7 @@
           <a:p>
             <a:fld id="{34C29F01-24A1-46F5-909F-DE641348926B}" type="datetimeFigureOut">
               <a:rPr lang="en-US" smtClean="0"/>
-              <a:t>9/3/2024</a:t>
+              <a:t>9/4/2024</a:t>
             </a:fld>
             <a:endParaRPr lang="en-US"/>
           </a:p>
@@ -2905,7 +2912,7 @@
           <a:p>
             <a:fld id="{34C29F01-24A1-46F5-909F-DE641348926B}" type="datetimeFigureOut">
               <a:rPr lang="en-US" smtClean="0"/>
-              <a:t>9/3/2024</a:t>
+              <a:t>9/4/2024</a:t>
             </a:fld>
             <a:endParaRPr lang="en-US"/>
           </a:p>
@@ -3424,8 +3431,1800 @@
         </p:blipFill>
         <p:spPr>
           <a:xfrm>
-            <a:off x="1139991" y="2347564"/>
+            <a:off x="1251959" y="547339"/>
             <a:ext cx="9688081" cy="1426669"/>
+          </a:xfrm>
+          <a:prstGeom prst="rect">
+            <a:avLst/>
+          </a:prstGeom>
+        </p:spPr>
+      </p:pic>
+      <p:pic>
+        <p:nvPicPr>
+          <p:cNvPr id="4" name="Picture 3">
+            <a:extLst>
+              <a:ext uri="{FF2B5EF4-FFF2-40B4-BE49-F238E27FC236}">
+                <a16:creationId xmlns:a16="http://schemas.microsoft.com/office/drawing/2014/main" id="{227B215A-7EF0-9A10-F36B-4DB62D5F8635}"/>
+              </a:ext>
+            </a:extLst>
+          </p:cNvPr>
+          <p:cNvPicPr>
+            <a:picLocks noChangeAspect="1"/>
+          </p:cNvPicPr>
+          <p:nvPr/>
+        </p:nvPicPr>
+        <p:blipFill>
+          <a:blip r:embed="rId3"/>
+          <a:stretch>
+            <a:fillRect/>
+          </a:stretch>
+        </p:blipFill>
+        <p:spPr>
+          <a:xfrm>
+            <a:off x="471254" y="3162169"/>
+            <a:ext cx="2115368" cy="1181231"/>
+          </a:xfrm>
+          <a:prstGeom prst="rect">
+            <a:avLst/>
+          </a:prstGeom>
+        </p:spPr>
+      </p:pic>
+      <p:grpSp>
+        <p:nvGrpSpPr>
+          <p:cNvPr id="28" name="Group 27">
+            <a:extLst>
+              <a:ext uri="{FF2B5EF4-FFF2-40B4-BE49-F238E27FC236}">
+                <a16:creationId xmlns:a16="http://schemas.microsoft.com/office/drawing/2014/main" id="{35ECFBE9-30A3-B378-0E9D-9AA79576F3BC}"/>
+              </a:ext>
+            </a:extLst>
+          </p:cNvPr>
+          <p:cNvGrpSpPr/>
+          <p:nvPr/>
+        </p:nvGrpSpPr>
+        <p:grpSpPr>
+          <a:xfrm>
+            <a:off x="3830588" y="2962275"/>
+            <a:ext cx="2927404" cy="1681418"/>
+            <a:chOff x="3830588" y="2962275"/>
+            <a:chExt cx="2927404" cy="1681418"/>
+          </a:xfrm>
+        </p:grpSpPr>
+        <p:sp>
+          <p:nvSpPr>
+            <p:cNvPr id="17" name="Freeform: Shape 16">
+              <a:extLst>
+                <a:ext uri="{FF2B5EF4-FFF2-40B4-BE49-F238E27FC236}">
+                  <a16:creationId xmlns:a16="http://schemas.microsoft.com/office/drawing/2014/main" id="{C1D78D7D-2E7C-8FF5-1303-5CD254DA2793}"/>
+                </a:ext>
+              </a:extLst>
+            </p:cNvPr>
+            <p:cNvSpPr/>
+            <p:nvPr/>
+          </p:nvSpPr>
+          <p:spPr>
+            <a:xfrm>
+              <a:off x="4233862" y="2962275"/>
+              <a:ext cx="1724025" cy="1157184"/>
+            </a:xfrm>
+            <a:custGeom>
+              <a:avLst/>
+              <a:gdLst>
+                <a:gd name="connsiteX0" fmla="*/ 0 w 1724025"/>
+                <a:gd name="connsiteY0" fmla="*/ 1152525 h 1157184"/>
+                <a:gd name="connsiteX1" fmla="*/ 238125 w 1724025"/>
+                <a:gd name="connsiteY1" fmla="*/ 981075 h 1157184"/>
+                <a:gd name="connsiteX2" fmla="*/ 876300 w 1724025"/>
+                <a:gd name="connsiteY2" fmla="*/ 0 h 1157184"/>
+                <a:gd name="connsiteX3" fmla="*/ 1514475 w 1724025"/>
+                <a:gd name="connsiteY3" fmla="*/ 981075 h 1157184"/>
+                <a:gd name="connsiteX4" fmla="*/ 1724025 w 1724025"/>
+                <a:gd name="connsiteY4" fmla="*/ 1143000 h 1157184"/>
+              </a:gdLst>
+              <a:ahLst/>
+              <a:cxnLst>
+                <a:cxn ang="0">
+                  <a:pos x="connsiteX0" y="connsiteY0"/>
+                </a:cxn>
+                <a:cxn ang="0">
+                  <a:pos x="connsiteX1" y="connsiteY1"/>
+                </a:cxn>
+                <a:cxn ang="0">
+                  <a:pos x="connsiteX2" y="connsiteY2"/>
+                </a:cxn>
+                <a:cxn ang="0">
+                  <a:pos x="connsiteX3" y="connsiteY3"/>
+                </a:cxn>
+                <a:cxn ang="0">
+                  <a:pos x="connsiteX4" y="connsiteY4"/>
+                </a:cxn>
+              </a:cxnLst>
+              <a:rect l="l" t="t" r="r" b="b"/>
+              <a:pathLst>
+                <a:path w="1724025" h="1157184">
+                  <a:moveTo>
+                    <a:pt x="0" y="1152525"/>
+                  </a:moveTo>
+                  <a:cubicBezTo>
+                    <a:pt x="46037" y="1162843"/>
+                    <a:pt x="92075" y="1173162"/>
+                    <a:pt x="238125" y="981075"/>
+                  </a:cubicBezTo>
+                  <a:cubicBezTo>
+                    <a:pt x="384175" y="788988"/>
+                    <a:pt x="663575" y="0"/>
+                    <a:pt x="876300" y="0"/>
+                  </a:cubicBezTo>
+                  <a:cubicBezTo>
+                    <a:pt x="1089025" y="0"/>
+                    <a:pt x="1373187" y="790575"/>
+                    <a:pt x="1514475" y="981075"/>
+                  </a:cubicBezTo>
+                  <a:cubicBezTo>
+                    <a:pt x="1655763" y="1171575"/>
+                    <a:pt x="1689894" y="1157287"/>
+                    <a:pt x="1724025" y="1143000"/>
+                  </a:cubicBezTo>
+                </a:path>
+              </a:pathLst>
+            </a:custGeom>
+            <a:noFill/>
+            <a:ln w="38100"/>
+          </p:spPr>
+          <p:style>
+            <a:lnRef idx="2">
+              <a:schemeClr val="accent1">
+                <a:shade val="15000"/>
+              </a:schemeClr>
+            </a:lnRef>
+            <a:fillRef idx="1">
+              <a:schemeClr val="accent1"/>
+            </a:fillRef>
+            <a:effectRef idx="0">
+              <a:schemeClr val="accent1"/>
+            </a:effectRef>
+            <a:fontRef idx="minor">
+              <a:schemeClr val="lt1"/>
+            </a:fontRef>
+          </p:style>
+          <p:txBody>
+            <a:bodyPr rtlCol="0" anchor="ctr"/>
+            <a:lstStyle/>
+            <a:p>
+              <a:pPr algn="ctr"/>
+              <a:endParaRPr lang="en-US"/>
+            </a:p>
+          </p:txBody>
+        </p:sp>
+        <p:sp>
+          <p:nvSpPr>
+            <p:cNvPr id="18" name="Left Brace 17">
+              <a:extLst>
+                <a:ext uri="{FF2B5EF4-FFF2-40B4-BE49-F238E27FC236}">
+                  <a16:creationId xmlns:a16="http://schemas.microsoft.com/office/drawing/2014/main" id="{06767402-DFAE-A9F0-FEB2-E224C36D58FC}"/>
+                </a:ext>
+              </a:extLst>
+            </p:cNvPr>
+            <p:cNvSpPr/>
+            <p:nvPr/>
+          </p:nvSpPr>
+          <p:spPr>
+            <a:xfrm rot="16200000">
+              <a:off x="4398168" y="3607386"/>
+              <a:ext cx="247650" cy="1147763"/>
+            </a:xfrm>
+            <a:prstGeom prst="leftBrace">
+              <a:avLst>
+                <a:gd name="adj1" fmla="val 35256"/>
+                <a:gd name="adj2" fmla="val 50000"/>
+              </a:avLst>
+            </a:prstGeom>
+          </p:spPr>
+          <p:style>
+            <a:lnRef idx="3">
+              <a:schemeClr val="accent1"/>
+            </a:lnRef>
+            <a:fillRef idx="0">
+              <a:schemeClr val="accent1"/>
+            </a:fillRef>
+            <a:effectRef idx="2">
+              <a:schemeClr val="accent1"/>
+            </a:effectRef>
+            <a:fontRef idx="minor">
+              <a:schemeClr val="tx1"/>
+            </a:fontRef>
+          </p:style>
+          <p:txBody>
+            <a:bodyPr rtlCol="0" anchor="ctr"/>
+            <a:lstStyle/>
+            <a:p>
+              <a:pPr algn="ctr"/>
+              <a:endParaRPr lang="en-US"/>
+            </a:p>
+          </p:txBody>
+        </p:sp>
+        <p:sp>
+          <p:nvSpPr>
+            <p:cNvPr id="20" name="Left Brace 19">
+              <a:extLst>
+                <a:ext uri="{FF2B5EF4-FFF2-40B4-BE49-F238E27FC236}">
+                  <a16:creationId xmlns:a16="http://schemas.microsoft.com/office/drawing/2014/main" id="{C69D02B0-1370-456C-0FBB-26164E564CC5}"/>
+                </a:ext>
+              </a:extLst>
+            </p:cNvPr>
+            <p:cNvSpPr/>
+            <p:nvPr/>
+          </p:nvSpPr>
+          <p:spPr>
+            <a:xfrm rot="16200000">
+              <a:off x="5116116" y="3731211"/>
+              <a:ext cx="247650" cy="1147763"/>
+            </a:xfrm>
+            <a:prstGeom prst="leftBrace">
+              <a:avLst>
+                <a:gd name="adj1" fmla="val 35256"/>
+                <a:gd name="adj2" fmla="val 50000"/>
+              </a:avLst>
+            </a:prstGeom>
+          </p:spPr>
+          <p:style>
+            <a:lnRef idx="3">
+              <a:schemeClr val="accent1"/>
+            </a:lnRef>
+            <a:fillRef idx="0">
+              <a:schemeClr val="accent1"/>
+            </a:fillRef>
+            <a:effectRef idx="2">
+              <a:schemeClr val="accent1"/>
+            </a:effectRef>
+            <a:fontRef idx="minor">
+              <a:schemeClr val="tx1"/>
+            </a:fontRef>
+          </p:style>
+          <p:txBody>
+            <a:bodyPr rtlCol="0" anchor="ctr"/>
+            <a:lstStyle/>
+            <a:p>
+              <a:pPr algn="ctr"/>
+              <a:endParaRPr lang="en-US"/>
+            </a:p>
+          </p:txBody>
+        </p:sp>
+        <p:sp>
+          <p:nvSpPr>
+            <p:cNvPr id="21" name="Left Brace 20">
+              <a:extLst>
+                <a:ext uri="{FF2B5EF4-FFF2-40B4-BE49-F238E27FC236}">
+                  <a16:creationId xmlns:a16="http://schemas.microsoft.com/office/drawing/2014/main" id="{F81C434F-F678-FDD1-D648-915A1DE1A0A1}"/>
+                </a:ext>
+              </a:extLst>
+            </p:cNvPr>
+            <p:cNvSpPr/>
+            <p:nvPr/>
+          </p:nvSpPr>
+          <p:spPr>
+            <a:xfrm rot="16200000">
+              <a:off x="5834062" y="3607386"/>
+              <a:ext cx="247650" cy="1147763"/>
+            </a:xfrm>
+            <a:prstGeom prst="leftBrace">
+              <a:avLst>
+                <a:gd name="adj1" fmla="val 35256"/>
+                <a:gd name="adj2" fmla="val 50000"/>
+              </a:avLst>
+            </a:prstGeom>
+          </p:spPr>
+          <p:style>
+            <a:lnRef idx="3">
+              <a:schemeClr val="accent1"/>
+            </a:lnRef>
+            <a:fillRef idx="0">
+              <a:schemeClr val="accent1"/>
+            </a:fillRef>
+            <a:effectRef idx="2">
+              <a:schemeClr val="accent1"/>
+            </a:effectRef>
+            <a:fontRef idx="minor">
+              <a:schemeClr val="tx1"/>
+            </a:fontRef>
+          </p:style>
+          <p:txBody>
+            <a:bodyPr rtlCol="0" anchor="ctr"/>
+            <a:lstStyle/>
+            <a:p>
+              <a:pPr algn="ctr"/>
+              <a:endParaRPr lang="en-US"/>
+            </a:p>
+          </p:txBody>
+        </p:sp>
+        <p:sp>
+          <p:nvSpPr>
+            <p:cNvPr id="22" name="TextBox 21">
+              <a:extLst>
+                <a:ext uri="{FF2B5EF4-FFF2-40B4-BE49-F238E27FC236}">
+                  <a16:creationId xmlns:a16="http://schemas.microsoft.com/office/drawing/2014/main" id="{FEFA756C-C774-826A-C745-58CBF30C391C}"/>
+                </a:ext>
+              </a:extLst>
+            </p:cNvPr>
+            <p:cNvSpPr txBox="1"/>
+            <p:nvPr/>
+          </p:nvSpPr>
+          <p:spPr>
+            <a:xfrm>
+              <a:off x="3830588" y="4244252"/>
+              <a:ext cx="986552" cy="307777"/>
+            </a:xfrm>
+            <a:prstGeom prst="rect">
+              <a:avLst/>
+            </a:prstGeom>
+            <a:noFill/>
+          </p:spPr>
+          <p:txBody>
+            <a:bodyPr wrap="none" rtlCol="0">
+              <a:spAutoFit/>
+            </a:bodyPr>
+            <a:lstStyle/>
+            <a:p>
+              <a:r>
+                <a:rPr lang="en-US" sz="1400" dirty="0"/>
+                <a:t>frame[n-1]</a:t>
+              </a:r>
+            </a:p>
+          </p:txBody>
+        </p:sp>
+        <p:sp>
+          <p:nvSpPr>
+            <p:cNvPr id="23" name="TextBox 22">
+              <a:extLst>
+                <a:ext uri="{FF2B5EF4-FFF2-40B4-BE49-F238E27FC236}">
+                  <a16:creationId xmlns:a16="http://schemas.microsoft.com/office/drawing/2014/main" id="{B681B7F0-9CA0-B3CE-6BE2-1ABFEEA76534}"/>
+                </a:ext>
+              </a:extLst>
+            </p:cNvPr>
+            <p:cNvSpPr txBox="1"/>
+            <p:nvPr/>
+          </p:nvSpPr>
+          <p:spPr>
+            <a:xfrm>
+              <a:off x="4848398" y="4335916"/>
+              <a:ext cx="842988" cy="307777"/>
+            </a:xfrm>
+            <a:prstGeom prst="rect">
+              <a:avLst/>
+            </a:prstGeom>
+            <a:noFill/>
+          </p:spPr>
+          <p:txBody>
+            <a:bodyPr wrap="none" rtlCol="0">
+              <a:spAutoFit/>
+            </a:bodyPr>
+            <a:lstStyle/>
+            <a:p>
+              <a:r>
+                <a:rPr lang="en-US" sz="1400" dirty="0"/>
+                <a:t>frame[n]</a:t>
+              </a:r>
+            </a:p>
+          </p:txBody>
+        </p:sp>
+        <p:sp>
+          <p:nvSpPr>
+            <p:cNvPr id="24" name="TextBox 23">
+              <a:extLst>
+                <a:ext uri="{FF2B5EF4-FFF2-40B4-BE49-F238E27FC236}">
+                  <a16:creationId xmlns:a16="http://schemas.microsoft.com/office/drawing/2014/main" id="{A7FA78FF-F739-D678-74AA-86C4872B6FE4}"/>
+                </a:ext>
+              </a:extLst>
+            </p:cNvPr>
+            <p:cNvSpPr txBox="1"/>
+            <p:nvPr/>
+          </p:nvSpPr>
+          <p:spPr>
+            <a:xfrm>
+              <a:off x="5722644" y="4228528"/>
+              <a:ext cx="1035348" cy="307777"/>
+            </a:xfrm>
+            <a:prstGeom prst="rect">
+              <a:avLst/>
+            </a:prstGeom>
+            <a:noFill/>
+          </p:spPr>
+          <p:txBody>
+            <a:bodyPr wrap="none" rtlCol="0">
+              <a:spAutoFit/>
+            </a:bodyPr>
+            <a:lstStyle/>
+            <a:p>
+              <a:r>
+                <a:rPr lang="en-US" sz="1400" dirty="0"/>
+                <a:t>frame[n+1]</a:t>
+              </a:r>
+            </a:p>
+          </p:txBody>
+        </p:sp>
+        <p:sp>
+          <p:nvSpPr>
+            <p:cNvPr id="25" name="TextBox 24">
+              <a:extLst>
+                <a:ext uri="{FF2B5EF4-FFF2-40B4-BE49-F238E27FC236}">
+                  <a16:creationId xmlns:a16="http://schemas.microsoft.com/office/drawing/2014/main" id="{40663488-6246-287D-7DBA-19B9B65F6A84}"/>
+                </a:ext>
+              </a:extLst>
+            </p:cNvPr>
+            <p:cNvSpPr txBox="1"/>
+            <p:nvPr/>
+          </p:nvSpPr>
+          <p:spPr>
+            <a:xfrm>
+              <a:off x="5384005" y="3202081"/>
+              <a:ext cx="867545" cy="307777"/>
+            </a:xfrm>
+            <a:prstGeom prst="rect">
+              <a:avLst/>
+            </a:prstGeom>
+            <a:noFill/>
+          </p:spPr>
+          <p:txBody>
+            <a:bodyPr wrap="none" rtlCol="0">
+              <a:spAutoFit/>
+            </a:bodyPr>
+            <a:lstStyle/>
+            <a:p>
+              <a:r>
+                <a:rPr lang="en-US" sz="1400" b="1" dirty="0" err="1"/>
+                <a:t>Hanning</a:t>
+              </a:r>
+              <a:endParaRPr lang="en-US" sz="1400" b="1" dirty="0"/>
+            </a:p>
+          </p:txBody>
+        </p:sp>
+      </p:grpSp>
+      <p:pic>
+        <p:nvPicPr>
+          <p:cNvPr id="27" name="Picture 26">
+            <a:extLst>
+              <a:ext uri="{FF2B5EF4-FFF2-40B4-BE49-F238E27FC236}">
+                <a16:creationId xmlns:a16="http://schemas.microsoft.com/office/drawing/2014/main" id="{F218A84C-816C-3A3C-1FF3-9613BBC4E4CF}"/>
+              </a:ext>
+            </a:extLst>
+          </p:cNvPr>
+          <p:cNvPicPr>
+            <a:picLocks noChangeAspect="1"/>
+          </p:cNvPicPr>
+          <p:nvPr/>
+        </p:nvPicPr>
+        <p:blipFill>
+          <a:blip r:embed="rId4"/>
+          <a:stretch>
+            <a:fillRect/>
+          </a:stretch>
+        </p:blipFill>
+        <p:spPr>
+          <a:xfrm>
+            <a:off x="6197983" y="2187283"/>
+            <a:ext cx="1440481" cy="1014798"/>
+          </a:xfrm>
+          <a:prstGeom prst="rect">
+            <a:avLst/>
+          </a:prstGeom>
+        </p:spPr>
+      </p:pic>
+      <p:pic>
+        <p:nvPicPr>
+          <p:cNvPr id="30" name="Picture 29">
+            <a:extLst>
+              <a:ext uri="{FF2B5EF4-FFF2-40B4-BE49-F238E27FC236}">
+                <a16:creationId xmlns:a16="http://schemas.microsoft.com/office/drawing/2014/main" id="{F0A3BE19-23BF-F312-8E13-183E34B0BCA1}"/>
+              </a:ext>
+            </a:extLst>
+          </p:cNvPr>
+          <p:cNvPicPr>
+            <a:picLocks noChangeAspect="1"/>
+          </p:cNvPicPr>
+          <p:nvPr/>
+        </p:nvPicPr>
+        <p:blipFill>
+          <a:blip r:embed="rId5"/>
+          <a:stretch>
+            <a:fillRect/>
+          </a:stretch>
+        </p:blipFill>
+        <p:spPr>
+          <a:xfrm>
+            <a:off x="8281790" y="4119459"/>
+            <a:ext cx="2829320" cy="1800476"/>
+          </a:xfrm>
+          <a:prstGeom prst="rect">
+            <a:avLst/>
+          </a:prstGeom>
+        </p:spPr>
+      </p:pic>
+      <p:pic>
+        <p:nvPicPr>
+          <p:cNvPr id="1026" name="Picture 2" descr="Fully-Connected Neural Network Layer - GM-RKB">
+            <a:extLst>
+              <a:ext uri="{FF2B5EF4-FFF2-40B4-BE49-F238E27FC236}">
+                <a16:creationId xmlns:a16="http://schemas.microsoft.com/office/drawing/2014/main" id="{513C900E-C746-2E2E-63ED-2688A0B2A63D}"/>
+              </a:ext>
+            </a:extLst>
+          </p:cNvPr>
+          <p:cNvPicPr>
+            <a:picLocks noChangeAspect="1" noChangeArrowheads="1"/>
+          </p:cNvPicPr>
+          <p:nvPr/>
+        </p:nvPicPr>
+        <p:blipFill>
+          <a:blip r:embed="rId6">
+            <a:extLst>
+              <a:ext uri="{28A0092B-C50C-407E-A947-70E740481C1C}">
+                <a14:useLocalDpi xmlns:a14="http://schemas.microsoft.com/office/drawing/2010/main" val="0"/>
+              </a:ext>
+            </a:extLst>
+          </a:blip>
+          <a:srcRect/>
+          <a:stretch>
+            <a:fillRect/>
+          </a:stretch>
+        </p:blipFill>
+        <p:spPr bwMode="auto">
+          <a:xfrm>
+            <a:off x="8468303" y="1778635"/>
+            <a:ext cx="3333750" cy="2257425"/>
+          </a:xfrm>
+          <a:prstGeom prst="rect">
+            <a:avLst/>
+          </a:prstGeom>
+          <a:noFill/>
+          <a:extLst>
+            <a:ext uri="{909E8E84-426E-40DD-AFC4-6F175D3DCCD1}">
+              <a14:hiddenFill xmlns:a14="http://schemas.microsoft.com/office/drawing/2010/main">
+                <a:solidFill>
+                  <a:srgbClr val="FFFFFF"/>
+                </a:solidFill>
+              </a14:hiddenFill>
+            </a:ext>
+          </a:extLst>
+        </p:spPr>
+      </p:pic>
+    </p:spTree>
+    <p:extLst>
+      <p:ext uri="{BB962C8B-B14F-4D97-AF65-F5344CB8AC3E}">
+        <p14:creationId xmlns:p14="http://schemas.microsoft.com/office/powerpoint/2010/main" val="732002996"/>
+      </p:ext>
+    </p:extLst>
+  </p:cSld>
+  <p:clrMapOvr>
+    <a:masterClrMapping/>
+  </p:clrMapOvr>
+</p:sld>
+</file>
+
+<file path=ppt/slides/slide3.xml><?xml version="1.0" encoding="utf-8"?>
+<p:sld xmlns:a="http://schemas.openxmlformats.org/drawingml/2006/main" xmlns:r="http://schemas.openxmlformats.org/officeDocument/2006/relationships" xmlns:p="http://schemas.openxmlformats.org/presentationml/2006/main">
+  <p:cSld>
+    <p:spTree>
+      <p:nvGrpSpPr>
+        <p:cNvPr id="1" name=""/>
+        <p:cNvGrpSpPr/>
+        <p:nvPr/>
+      </p:nvGrpSpPr>
+      <p:grpSpPr>
+        <a:xfrm>
+          <a:off x="0" y="0"/>
+          <a:ext cx="0" cy="0"/>
+          <a:chOff x="0" y="0"/>
+          <a:chExt cx="0" cy="0"/>
+        </a:xfrm>
+      </p:grpSpPr>
+      <p:grpSp>
+        <p:nvGrpSpPr>
+          <p:cNvPr id="40" name="Group 39">
+            <a:extLst>
+              <a:ext uri="{FF2B5EF4-FFF2-40B4-BE49-F238E27FC236}">
+                <a16:creationId xmlns:a16="http://schemas.microsoft.com/office/drawing/2014/main" id="{CC456694-C344-5349-D864-D7F064F33375}"/>
+              </a:ext>
+            </a:extLst>
+          </p:cNvPr>
+          <p:cNvGrpSpPr/>
+          <p:nvPr/>
+        </p:nvGrpSpPr>
+        <p:grpSpPr>
+          <a:xfrm>
+            <a:off x="506098" y="758742"/>
+            <a:ext cx="11179803" cy="1039568"/>
+            <a:chOff x="381000" y="2787567"/>
+            <a:chExt cx="11179803" cy="1039568"/>
+          </a:xfrm>
+        </p:grpSpPr>
+        <p:grpSp>
+          <p:nvGrpSpPr>
+            <p:cNvPr id="15" name="Group 14">
+              <a:extLst>
+                <a:ext uri="{FF2B5EF4-FFF2-40B4-BE49-F238E27FC236}">
+                  <a16:creationId xmlns:a16="http://schemas.microsoft.com/office/drawing/2014/main" id="{96029B1F-F0F8-9B55-CDF0-BC9D15123140}"/>
+                </a:ext>
+              </a:extLst>
+            </p:cNvPr>
+            <p:cNvGrpSpPr/>
+            <p:nvPr/>
+          </p:nvGrpSpPr>
+          <p:grpSpPr>
+            <a:xfrm>
+              <a:off x="381000" y="2809874"/>
+              <a:ext cx="1362076" cy="981075"/>
+              <a:chOff x="685800" y="2809875"/>
+              <a:chExt cx="1362076" cy="981075"/>
+            </a:xfrm>
+          </p:grpSpPr>
+          <p:sp>
+            <p:nvSpPr>
+              <p:cNvPr id="2" name="Rectangle 1">
+                <a:extLst>
+                  <a:ext uri="{FF2B5EF4-FFF2-40B4-BE49-F238E27FC236}">
+                    <a16:creationId xmlns:a16="http://schemas.microsoft.com/office/drawing/2014/main" id="{3D372BAD-F705-5FC1-545C-22BAE8BB3137}"/>
+                  </a:ext>
+                </a:extLst>
+              </p:cNvPr>
+              <p:cNvSpPr/>
+              <p:nvPr/>
+            </p:nvSpPr>
+            <p:spPr>
+              <a:xfrm>
+                <a:off x="685800" y="2809875"/>
+                <a:ext cx="1362076" cy="981075"/>
+              </a:xfrm>
+              <a:prstGeom prst="rect">
+                <a:avLst/>
+              </a:prstGeom>
+              <a:noFill/>
+              <a:ln w="38100">
+                <a:solidFill>
+                  <a:schemeClr val="accent1"/>
+                </a:solidFill>
+              </a:ln>
+            </p:spPr>
+            <p:style>
+              <a:lnRef idx="2">
+                <a:schemeClr val="accent1">
+                  <a:shade val="15000"/>
+                </a:schemeClr>
+              </a:lnRef>
+              <a:fillRef idx="1">
+                <a:schemeClr val="accent1"/>
+              </a:fillRef>
+              <a:effectRef idx="0">
+                <a:schemeClr val="accent1"/>
+              </a:effectRef>
+              <a:fontRef idx="minor">
+                <a:schemeClr val="lt1"/>
+              </a:fontRef>
+            </p:style>
+            <p:txBody>
+              <a:bodyPr rtlCol="0" anchor="ctr"/>
+              <a:lstStyle/>
+              <a:p>
+                <a:pPr algn="ctr"/>
+                <a:endParaRPr lang="en-US"/>
+              </a:p>
+            </p:txBody>
+          </p:sp>
+          <p:pic>
+            <p:nvPicPr>
+              <p:cNvPr id="3" name="Picture 2">
+                <a:extLst>
+                  <a:ext uri="{FF2B5EF4-FFF2-40B4-BE49-F238E27FC236}">
+                    <a16:creationId xmlns:a16="http://schemas.microsoft.com/office/drawing/2014/main" id="{A5469F72-551E-8E27-4308-3D9A151AC1E3}"/>
+                  </a:ext>
+                </a:extLst>
+              </p:cNvPr>
+              <p:cNvPicPr>
+                <a:picLocks noChangeAspect="1"/>
+              </p:cNvPicPr>
+              <p:nvPr/>
+            </p:nvPicPr>
+            <p:blipFill>
+              <a:blip r:embed="rId2"/>
+              <a:stretch>
+                <a:fillRect/>
+              </a:stretch>
+            </p:blipFill>
+            <p:spPr>
+              <a:xfrm>
+                <a:off x="765448" y="2861247"/>
+                <a:ext cx="1194262" cy="666881"/>
+              </a:xfrm>
+              <a:prstGeom prst="rect">
+                <a:avLst/>
+              </a:prstGeom>
+            </p:spPr>
+          </p:pic>
+          <p:sp>
+            <p:nvSpPr>
+              <p:cNvPr id="4" name="TextBox 3">
+                <a:extLst>
+                  <a:ext uri="{FF2B5EF4-FFF2-40B4-BE49-F238E27FC236}">
+                    <a16:creationId xmlns:a16="http://schemas.microsoft.com/office/drawing/2014/main" id="{4FEE88F1-772C-2E21-635C-EC0CDA90C9D8}"/>
+                  </a:ext>
+                </a:extLst>
+              </p:cNvPr>
+              <p:cNvSpPr txBox="1"/>
+              <p:nvPr/>
+            </p:nvSpPr>
+            <p:spPr>
+              <a:xfrm>
+                <a:off x="826856" y="3452396"/>
+                <a:ext cx="1071447" cy="338554"/>
+              </a:xfrm>
+              <a:prstGeom prst="rect">
+                <a:avLst/>
+              </a:prstGeom>
+              <a:noFill/>
+            </p:spPr>
+            <p:txBody>
+              <a:bodyPr wrap="none" rtlCol="0">
+                <a:spAutoFit/>
+              </a:bodyPr>
+              <a:lstStyle/>
+              <a:p>
+                <a:r>
+                  <a:rPr lang="en-US" sz="1600" b="1" dirty="0"/>
+                  <a:t>Raw Data</a:t>
+                </a:r>
+              </a:p>
+            </p:txBody>
+          </p:sp>
+        </p:grpSp>
+        <p:grpSp>
+          <p:nvGrpSpPr>
+            <p:cNvPr id="16" name="Group 15">
+              <a:extLst>
+                <a:ext uri="{FF2B5EF4-FFF2-40B4-BE49-F238E27FC236}">
+                  <a16:creationId xmlns:a16="http://schemas.microsoft.com/office/drawing/2014/main" id="{4E58C15D-24E8-D2C9-DF25-F76C05C72D8E}"/>
+                </a:ext>
+              </a:extLst>
+            </p:cNvPr>
+            <p:cNvGrpSpPr/>
+            <p:nvPr/>
+          </p:nvGrpSpPr>
+          <p:grpSpPr>
+            <a:xfrm>
+              <a:off x="2021873" y="2809873"/>
+              <a:ext cx="1219379" cy="1003823"/>
+              <a:chOff x="2371724" y="2809874"/>
+              <a:chExt cx="1219379" cy="1003823"/>
+            </a:xfrm>
+          </p:grpSpPr>
+          <p:sp>
+            <p:nvSpPr>
+              <p:cNvPr id="5" name="Rectangle 4">
+                <a:extLst>
+                  <a:ext uri="{FF2B5EF4-FFF2-40B4-BE49-F238E27FC236}">
+                    <a16:creationId xmlns:a16="http://schemas.microsoft.com/office/drawing/2014/main" id="{C98941F5-5116-5134-6CE7-C5E0C4711008}"/>
+                  </a:ext>
+                </a:extLst>
+              </p:cNvPr>
+              <p:cNvSpPr/>
+              <p:nvPr/>
+            </p:nvSpPr>
+            <p:spPr>
+              <a:xfrm>
+                <a:off x="2371724" y="2809874"/>
+                <a:ext cx="1219379" cy="981075"/>
+              </a:xfrm>
+              <a:prstGeom prst="rect">
+                <a:avLst/>
+              </a:prstGeom>
+              <a:noFill/>
+              <a:ln w="38100">
+                <a:solidFill>
+                  <a:schemeClr val="accent1"/>
+                </a:solidFill>
+              </a:ln>
+            </p:spPr>
+            <p:style>
+              <a:lnRef idx="2">
+                <a:schemeClr val="accent1">
+                  <a:shade val="15000"/>
+                </a:schemeClr>
+              </a:lnRef>
+              <a:fillRef idx="1">
+                <a:schemeClr val="accent1"/>
+              </a:fillRef>
+              <a:effectRef idx="0">
+                <a:schemeClr val="accent1"/>
+              </a:effectRef>
+              <a:fontRef idx="minor">
+                <a:schemeClr val="lt1"/>
+              </a:fontRef>
+            </p:style>
+            <p:txBody>
+              <a:bodyPr rtlCol="0" anchor="ctr"/>
+              <a:lstStyle/>
+              <a:p>
+                <a:pPr algn="ctr"/>
+                <a:endParaRPr lang="en-US"/>
+              </a:p>
+            </p:txBody>
+          </p:sp>
+          <p:pic>
+            <p:nvPicPr>
+              <p:cNvPr id="7" name="Picture 6">
+                <a:extLst>
+                  <a:ext uri="{FF2B5EF4-FFF2-40B4-BE49-F238E27FC236}">
+                    <a16:creationId xmlns:a16="http://schemas.microsoft.com/office/drawing/2014/main" id="{6A9F49B3-0C72-4D5E-DD3C-0CA570D3D18B}"/>
+                  </a:ext>
+                </a:extLst>
+              </p:cNvPr>
+              <p:cNvPicPr>
+                <a:picLocks noChangeAspect="1"/>
+              </p:cNvPicPr>
+              <p:nvPr/>
+            </p:nvPicPr>
+            <p:blipFill>
+              <a:blip r:embed="rId3"/>
+              <a:stretch>
+                <a:fillRect/>
+              </a:stretch>
+            </p:blipFill>
+            <p:spPr>
+              <a:xfrm>
+                <a:off x="2502780" y="2857499"/>
+                <a:ext cx="957263" cy="674378"/>
+              </a:xfrm>
+              <a:prstGeom prst="rect">
+                <a:avLst/>
+              </a:prstGeom>
+            </p:spPr>
+          </p:pic>
+          <p:sp>
+            <p:nvSpPr>
+              <p:cNvPr id="8" name="TextBox 7">
+                <a:extLst>
+                  <a:ext uri="{FF2B5EF4-FFF2-40B4-BE49-F238E27FC236}">
+                    <a16:creationId xmlns:a16="http://schemas.microsoft.com/office/drawing/2014/main" id="{2FB9DE29-4829-4396-DA10-3F2AC21ECDB1}"/>
+                  </a:ext>
+                </a:extLst>
+              </p:cNvPr>
+              <p:cNvSpPr txBox="1"/>
+              <p:nvPr/>
+            </p:nvSpPr>
+            <p:spPr>
+              <a:xfrm>
+                <a:off x="2696719" y="3475143"/>
+                <a:ext cx="569387" cy="338554"/>
+              </a:xfrm>
+              <a:prstGeom prst="rect">
+                <a:avLst/>
+              </a:prstGeom>
+              <a:noFill/>
+            </p:spPr>
+            <p:txBody>
+              <a:bodyPr wrap="none" rtlCol="0">
+                <a:spAutoFit/>
+              </a:bodyPr>
+              <a:lstStyle/>
+              <a:p>
+                <a:r>
+                  <a:rPr lang="en-US" sz="1600" b="1" dirty="0"/>
+                  <a:t>HPF</a:t>
+                </a:r>
+              </a:p>
+            </p:txBody>
+          </p:sp>
+        </p:grpSp>
+        <p:grpSp>
+          <p:nvGrpSpPr>
+            <p:cNvPr id="28" name="Group 27">
+              <a:extLst>
+                <a:ext uri="{FF2B5EF4-FFF2-40B4-BE49-F238E27FC236}">
+                  <a16:creationId xmlns:a16="http://schemas.microsoft.com/office/drawing/2014/main" id="{3ECD7265-7459-F7E0-BEF7-BF4DD3110BC4}"/>
+                </a:ext>
+              </a:extLst>
+            </p:cNvPr>
+            <p:cNvGrpSpPr/>
+            <p:nvPr/>
+          </p:nvGrpSpPr>
+          <p:grpSpPr>
+            <a:xfrm>
+              <a:off x="3542041" y="2799931"/>
+              <a:ext cx="1754331" cy="1013765"/>
+              <a:chOff x="3949076" y="2799932"/>
+              <a:chExt cx="1754331" cy="1013765"/>
+            </a:xfrm>
+          </p:grpSpPr>
+          <p:sp>
+            <p:nvSpPr>
+              <p:cNvPr id="6" name="Rectangle 5">
+                <a:extLst>
+                  <a:ext uri="{FF2B5EF4-FFF2-40B4-BE49-F238E27FC236}">
+                    <a16:creationId xmlns:a16="http://schemas.microsoft.com/office/drawing/2014/main" id="{7D16FB14-6643-0C9D-3BAC-C9C3C8765512}"/>
+                  </a:ext>
+                </a:extLst>
+              </p:cNvPr>
+              <p:cNvSpPr/>
+              <p:nvPr/>
+            </p:nvSpPr>
+            <p:spPr>
+              <a:xfrm>
+                <a:off x="3949076" y="2799932"/>
+                <a:ext cx="1706443" cy="981075"/>
+              </a:xfrm>
+              <a:prstGeom prst="rect">
+                <a:avLst/>
+              </a:prstGeom>
+              <a:noFill/>
+              <a:ln w="38100">
+                <a:solidFill>
+                  <a:schemeClr val="accent1"/>
+                </a:solidFill>
+              </a:ln>
+            </p:spPr>
+            <p:style>
+              <a:lnRef idx="2">
+                <a:schemeClr val="accent1">
+                  <a:shade val="15000"/>
+                </a:schemeClr>
+              </a:lnRef>
+              <a:fillRef idx="1">
+                <a:schemeClr val="accent1"/>
+              </a:fillRef>
+              <a:effectRef idx="0">
+                <a:schemeClr val="accent1"/>
+              </a:effectRef>
+              <a:fontRef idx="minor">
+                <a:schemeClr val="lt1"/>
+              </a:fontRef>
+            </p:style>
+            <p:txBody>
+              <a:bodyPr rtlCol="0" anchor="ctr"/>
+              <a:lstStyle/>
+              <a:p>
+                <a:pPr algn="ctr"/>
+                <a:endParaRPr lang="en-US"/>
+              </a:p>
+            </p:txBody>
+          </p:sp>
+          <p:pic>
+            <p:nvPicPr>
+              <p:cNvPr id="9" name="Picture 8">
+                <a:extLst>
+                  <a:ext uri="{FF2B5EF4-FFF2-40B4-BE49-F238E27FC236}">
+                    <a16:creationId xmlns:a16="http://schemas.microsoft.com/office/drawing/2014/main" id="{0FDED9AC-76C6-83DA-697C-CE5E15A798C7}"/>
+                  </a:ext>
+                </a:extLst>
+              </p:cNvPr>
+              <p:cNvPicPr>
+                <a:picLocks noChangeAspect="1"/>
+              </p:cNvPicPr>
+              <p:nvPr/>
+            </p:nvPicPr>
+            <p:blipFill>
+              <a:blip r:embed="rId4"/>
+              <a:stretch>
+                <a:fillRect/>
+              </a:stretch>
+            </p:blipFill>
+            <p:spPr>
+              <a:xfrm>
+                <a:off x="4070412" y="2809874"/>
+                <a:ext cx="1355445" cy="809346"/>
+              </a:xfrm>
+              <a:prstGeom prst="rect">
+                <a:avLst/>
+              </a:prstGeom>
+            </p:spPr>
+          </p:pic>
+          <p:sp>
+            <p:nvSpPr>
+              <p:cNvPr id="10" name="TextBox 9">
+                <a:extLst>
+                  <a:ext uri="{FF2B5EF4-FFF2-40B4-BE49-F238E27FC236}">
+                    <a16:creationId xmlns:a16="http://schemas.microsoft.com/office/drawing/2014/main" id="{1149CA62-4F14-D4F1-23B2-580C8224D0B3}"/>
+                  </a:ext>
+                </a:extLst>
+              </p:cNvPr>
+              <p:cNvSpPr txBox="1"/>
+              <p:nvPr/>
+            </p:nvSpPr>
+            <p:spPr>
+              <a:xfrm>
+                <a:off x="3950748" y="3475143"/>
+                <a:ext cx="1752659" cy="338554"/>
+              </a:xfrm>
+              <a:prstGeom prst="rect">
+                <a:avLst/>
+              </a:prstGeom>
+              <a:noFill/>
+            </p:spPr>
+            <p:txBody>
+              <a:bodyPr wrap="none" rtlCol="0">
+                <a:spAutoFit/>
+              </a:bodyPr>
+              <a:lstStyle/>
+              <a:p>
+                <a:r>
+                  <a:rPr lang="en-US" sz="1600" b="1" dirty="0"/>
+                  <a:t>Frame &amp; Window</a:t>
+                </a:r>
+              </a:p>
+            </p:txBody>
+          </p:sp>
+        </p:grpSp>
+        <p:grpSp>
+          <p:nvGrpSpPr>
+            <p:cNvPr id="18" name="Group 17">
+              <a:extLst>
+                <a:ext uri="{FF2B5EF4-FFF2-40B4-BE49-F238E27FC236}">
+                  <a16:creationId xmlns:a16="http://schemas.microsoft.com/office/drawing/2014/main" id="{6659E098-0EE7-51C7-41A5-3197FC00719F}"/>
+                </a:ext>
+              </a:extLst>
+            </p:cNvPr>
+            <p:cNvGrpSpPr/>
+            <p:nvPr/>
+          </p:nvGrpSpPr>
+          <p:grpSpPr>
+            <a:xfrm>
+              <a:off x="5546158" y="2787567"/>
+              <a:ext cx="1172802" cy="1003381"/>
+              <a:chOff x="6066198" y="2799932"/>
+              <a:chExt cx="1172802" cy="1003381"/>
+            </a:xfrm>
+          </p:grpSpPr>
+          <p:pic>
+            <p:nvPicPr>
+              <p:cNvPr id="12" name="Picture 11">
+                <a:extLst>
+                  <a:ext uri="{FF2B5EF4-FFF2-40B4-BE49-F238E27FC236}">
+                    <a16:creationId xmlns:a16="http://schemas.microsoft.com/office/drawing/2014/main" id="{47FED12E-377C-D97C-F4BA-B85BDC69D5CE}"/>
+                  </a:ext>
+                </a:extLst>
+              </p:cNvPr>
+              <p:cNvPicPr>
+                <a:picLocks noChangeAspect="1"/>
+              </p:cNvPicPr>
+              <p:nvPr/>
+            </p:nvPicPr>
+            <p:blipFill>
+              <a:blip r:embed="rId5"/>
+              <a:stretch>
+                <a:fillRect/>
+              </a:stretch>
+            </p:blipFill>
+            <p:spPr>
+              <a:xfrm>
+                <a:off x="6095128" y="2856430"/>
+                <a:ext cx="1055526" cy="671698"/>
+              </a:xfrm>
+              <a:prstGeom prst="rect">
+                <a:avLst/>
+              </a:prstGeom>
+            </p:spPr>
+          </p:pic>
+          <p:sp>
+            <p:nvSpPr>
+              <p:cNvPr id="13" name="Rectangle 12">
+                <a:extLst>
+                  <a:ext uri="{FF2B5EF4-FFF2-40B4-BE49-F238E27FC236}">
+                    <a16:creationId xmlns:a16="http://schemas.microsoft.com/office/drawing/2014/main" id="{42D73F33-E277-C92F-F199-29E458BD4129}"/>
+                  </a:ext>
+                </a:extLst>
+              </p:cNvPr>
+              <p:cNvSpPr/>
+              <p:nvPr/>
+            </p:nvSpPr>
+            <p:spPr>
+              <a:xfrm>
+                <a:off x="6066198" y="2799932"/>
+                <a:ext cx="1172802" cy="981075"/>
+              </a:xfrm>
+              <a:prstGeom prst="rect">
+                <a:avLst/>
+              </a:prstGeom>
+              <a:noFill/>
+              <a:ln w="38100">
+                <a:solidFill>
+                  <a:schemeClr val="accent1"/>
+                </a:solidFill>
+              </a:ln>
+            </p:spPr>
+            <p:style>
+              <a:lnRef idx="2">
+                <a:schemeClr val="accent1">
+                  <a:shade val="15000"/>
+                </a:schemeClr>
+              </a:lnRef>
+              <a:fillRef idx="1">
+                <a:schemeClr val="accent1"/>
+              </a:fillRef>
+              <a:effectRef idx="0">
+                <a:schemeClr val="accent1"/>
+              </a:effectRef>
+              <a:fontRef idx="minor">
+                <a:schemeClr val="lt1"/>
+              </a:fontRef>
+            </p:style>
+            <p:txBody>
+              <a:bodyPr rtlCol="0" anchor="ctr"/>
+              <a:lstStyle/>
+              <a:p>
+                <a:pPr algn="ctr"/>
+                <a:endParaRPr lang="en-US"/>
+              </a:p>
+            </p:txBody>
+          </p:sp>
+          <p:sp>
+            <p:nvSpPr>
+              <p:cNvPr id="14" name="TextBox 13">
+                <a:extLst>
+                  <a:ext uri="{FF2B5EF4-FFF2-40B4-BE49-F238E27FC236}">
+                    <a16:creationId xmlns:a16="http://schemas.microsoft.com/office/drawing/2014/main" id="{550BBD45-EC52-C3F9-3116-8ED60570730D}"/>
+                  </a:ext>
+                </a:extLst>
+              </p:cNvPr>
+              <p:cNvSpPr txBox="1"/>
+              <p:nvPr/>
+            </p:nvSpPr>
+            <p:spPr>
+              <a:xfrm>
+                <a:off x="6366987" y="3464759"/>
+                <a:ext cx="511807" cy="338554"/>
+              </a:xfrm>
+              <a:prstGeom prst="rect">
+                <a:avLst/>
+              </a:prstGeom>
+              <a:noFill/>
+            </p:spPr>
+            <p:txBody>
+              <a:bodyPr wrap="none" rtlCol="0">
+                <a:spAutoFit/>
+              </a:bodyPr>
+              <a:lstStyle/>
+              <a:p>
+                <a:r>
+                  <a:rPr lang="en-US" sz="1600" b="1" dirty="0"/>
+                  <a:t>FFT</a:t>
+                </a:r>
+              </a:p>
+            </p:txBody>
+          </p:sp>
+        </p:grpSp>
+        <p:grpSp>
+          <p:nvGrpSpPr>
+            <p:cNvPr id="31" name="Group 30">
+              <a:extLst>
+                <a:ext uri="{FF2B5EF4-FFF2-40B4-BE49-F238E27FC236}">
+                  <a16:creationId xmlns:a16="http://schemas.microsoft.com/office/drawing/2014/main" id="{83CD22E1-F607-7116-D61C-A31F2E283392}"/>
+                </a:ext>
+              </a:extLst>
+            </p:cNvPr>
+            <p:cNvGrpSpPr/>
+            <p:nvPr/>
+          </p:nvGrpSpPr>
+          <p:grpSpPr>
+            <a:xfrm>
+              <a:off x="6959484" y="2810315"/>
+              <a:ext cx="3540669" cy="1016820"/>
+              <a:chOff x="6902334" y="2810315"/>
+              <a:chExt cx="3540669" cy="1016820"/>
+            </a:xfrm>
+          </p:grpSpPr>
+          <p:sp>
+            <p:nvSpPr>
+              <p:cNvPr id="21" name="Rectangle 20">
+                <a:extLst>
+                  <a:ext uri="{FF2B5EF4-FFF2-40B4-BE49-F238E27FC236}">
+                    <a16:creationId xmlns:a16="http://schemas.microsoft.com/office/drawing/2014/main" id="{E7E0CFF7-B53E-94A6-DC78-62E150FCAD7B}"/>
+                  </a:ext>
+                </a:extLst>
+              </p:cNvPr>
+              <p:cNvSpPr/>
+              <p:nvPr/>
+            </p:nvSpPr>
+            <p:spPr>
+              <a:xfrm>
+                <a:off x="6933669" y="2810315"/>
+                <a:ext cx="1461881" cy="981075"/>
+              </a:xfrm>
+              <a:prstGeom prst="rect">
+                <a:avLst/>
+              </a:prstGeom>
+              <a:noFill/>
+              <a:ln w="38100">
+                <a:solidFill>
+                  <a:schemeClr val="accent1"/>
+                </a:solidFill>
+              </a:ln>
+            </p:spPr>
+            <p:style>
+              <a:lnRef idx="2">
+                <a:schemeClr val="accent1">
+                  <a:shade val="15000"/>
+                </a:schemeClr>
+              </a:lnRef>
+              <a:fillRef idx="1">
+                <a:schemeClr val="accent1"/>
+              </a:fillRef>
+              <a:effectRef idx="0">
+                <a:schemeClr val="accent1"/>
+              </a:effectRef>
+              <a:fontRef idx="minor">
+                <a:schemeClr val="lt1"/>
+              </a:fontRef>
+            </p:style>
+            <p:txBody>
+              <a:bodyPr rtlCol="0" anchor="ctr"/>
+              <a:lstStyle/>
+              <a:p>
+                <a:pPr algn="ctr"/>
+                <a:endParaRPr lang="en-US"/>
+              </a:p>
+            </p:txBody>
+          </p:sp>
+          <p:sp>
+            <p:nvSpPr>
+              <p:cNvPr id="22" name="TextBox 21">
+                <a:extLst>
+                  <a:ext uri="{FF2B5EF4-FFF2-40B4-BE49-F238E27FC236}">
+                    <a16:creationId xmlns:a16="http://schemas.microsoft.com/office/drawing/2014/main" id="{8394B3FE-CE2F-1968-CFDB-B874DFA742C7}"/>
+                  </a:ext>
+                </a:extLst>
+              </p:cNvPr>
+              <p:cNvSpPr txBox="1"/>
+              <p:nvPr/>
+            </p:nvSpPr>
+            <p:spPr>
+              <a:xfrm>
+                <a:off x="6941989" y="3242360"/>
+                <a:ext cx="1172802" cy="584775"/>
+              </a:xfrm>
+              <a:prstGeom prst="rect">
+                <a:avLst/>
+              </a:prstGeom>
+              <a:noFill/>
+            </p:spPr>
+            <p:txBody>
+              <a:bodyPr wrap="square" rtlCol="0">
+                <a:spAutoFit/>
+              </a:bodyPr>
+              <a:lstStyle/>
+              <a:p>
+                <a:r>
+                  <a:rPr lang="en-US" sz="1600" b="1" dirty="0"/>
+                  <a:t>Feature Extraction</a:t>
+                </a:r>
+              </a:p>
+            </p:txBody>
+          </p:sp>
+          <p:sp>
+            <p:nvSpPr>
+              <p:cNvPr id="25" name="TextBox 24">
+                <a:extLst>
+                  <a:ext uri="{FF2B5EF4-FFF2-40B4-BE49-F238E27FC236}">
+                    <a16:creationId xmlns:a16="http://schemas.microsoft.com/office/drawing/2014/main" id="{380DDC89-ACD7-3C37-516D-61A30A55AEC7}"/>
+                  </a:ext>
+                </a:extLst>
+              </p:cNvPr>
+              <p:cNvSpPr txBox="1"/>
+              <p:nvPr/>
+            </p:nvSpPr>
+            <p:spPr>
+              <a:xfrm>
+                <a:off x="6902334" y="2939550"/>
+                <a:ext cx="1388137" cy="338554"/>
+              </a:xfrm>
+              <a:prstGeom prst="rect">
+                <a:avLst/>
+              </a:prstGeom>
+              <a:noFill/>
+            </p:spPr>
+            <p:txBody>
+              <a:bodyPr wrap="none" rtlCol="0">
+                <a:spAutoFit/>
+              </a:bodyPr>
+              <a:lstStyle/>
+              <a:p>
+                <a:r>
+                  <a:rPr lang="en-US" sz="1600" b="1" i="1" dirty="0">
+                    <a:solidFill>
+                      <a:schemeClr val="accent3">
+                        <a:lumMod val="75000"/>
+                      </a:schemeClr>
+                    </a:solidFill>
+                  </a:rPr>
+                  <a:t>Mel-Log-DCT</a:t>
+                </a:r>
+              </a:p>
+            </p:txBody>
+          </p:sp>
+          <p:sp>
+            <p:nvSpPr>
+              <p:cNvPr id="32" name="TextBox 31">
+                <a:extLst>
+                  <a:ext uri="{FF2B5EF4-FFF2-40B4-BE49-F238E27FC236}">
+                    <a16:creationId xmlns:a16="http://schemas.microsoft.com/office/drawing/2014/main" id="{9CBA749E-EB01-22B6-0996-E42DF7349A07}"/>
+                  </a:ext>
+                </a:extLst>
+              </p:cNvPr>
+              <p:cNvSpPr txBox="1"/>
+              <p:nvPr/>
+            </p:nvSpPr>
+            <p:spPr>
+              <a:xfrm>
+                <a:off x="8654166" y="3452394"/>
+                <a:ext cx="1788837" cy="338554"/>
+              </a:xfrm>
+              <a:prstGeom prst="rect">
+                <a:avLst/>
+              </a:prstGeom>
+              <a:noFill/>
+            </p:spPr>
+            <p:txBody>
+              <a:bodyPr wrap="square" rtlCol="0">
+                <a:spAutoFit/>
+              </a:bodyPr>
+              <a:lstStyle/>
+              <a:p>
+                <a:r>
+                  <a:rPr lang="en-US" sz="1600" b="1" dirty="0"/>
+                  <a:t>Classifier (CNN)</a:t>
+                </a:r>
+              </a:p>
+            </p:txBody>
+          </p:sp>
+        </p:grpSp>
+        <p:pic>
+          <p:nvPicPr>
+            <p:cNvPr id="27" name="Picture 2" descr="Fully-Connected Neural Network Layer - GM-RKB">
+              <a:extLst>
+                <a:ext uri="{FF2B5EF4-FFF2-40B4-BE49-F238E27FC236}">
+                  <a16:creationId xmlns:a16="http://schemas.microsoft.com/office/drawing/2014/main" id="{8A7EC560-CB93-B24B-59FE-C314C3522A64}"/>
+                </a:ext>
+              </a:extLst>
+            </p:cNvPr>
+            <p:cNvPicPr>
+              <a:picLocks noChangeAspect="1" noChangeArrowheads="1"/>
+            </p:cNvPicPr>
+            <p:nvPr/>
+          </p:nvPicPr>
+          <p:blipFill>
+            <a:blip r:embed="rId6">
+              <a:extLst>
+                <a:ext uri="{28A0092B-C50C-407E-A947-70E740481C1C}">
+                  <a14:useLocalDpi xmlns:a14="http://schemas.microsoft.com/office/drawing/2010/main" val="0"/>
+                </a:ext>
+              </a:extLst>
+            </a:blip>
+            <a:srcRect/>
+            <a:stretch>
+              <a:fillRect/>
+            </a:stretch>
+          </p:blipFill>
+          <p:spPr bwMode="auto">
+            <a:xfrm>
+              <a:off x="9088069" y="2875598"/>
+              <a:ext cx="905169" cy="612929"/>
+            </a:xfrm>
+            <a:prstGeom prst="rect">
+              <a:avLst/>
+            </a:prstGeom>
+            <a:noFill/>
+            <a:extLst>
+              <a:ext uri="{909E8E84-426E-40DD-AFC4-6F175D3DCCD1}">
+                <a14:hiddenFill xmlns:a14="http://schemas.microsoft.com/office/drawing/2010/main">
+                  <a:solidFill>
+                    <a:srgbClr val="FFFFFF"/>
+                  </a:solidFill>
+                </a14:hiddenFill>
+              </a:ext>
+            </a:extLst>
+          </p:spPr>
+        </p:pic>
+        <p:sp>
+          <p:nvSpPr>
+            <p:cNvPr id="30" name="Rectangle 29">
+              <a:extLst>
+                <a:ext uri="{FF2B5EF4-FFF2-40B4-BE49-F238E27FC236}">
+                  <a16:creationId xmlns:a16="http://schemas.microsoft.com/office/drawing/2014/main" id="{7763B9BD-1735-C020-A6FA-F45458CAC1A5}"/>
+                </a:ext>
+              </a:extLst>
+            </p:cNvPr>
+            <p:cNvSpPr/>
+            <p:nvPr/>
+          </p:nvSpPr>
+          <p:spPr>
+            <a:xfrm>
+              <a:off x="8724559" y="2810315"/>
+              <a:ext cx="1591016" cy="981075"/>
+            </a:xfrm>
+            <a:prstGeom prst="rect">
+              <a:avLst/>
+            </a:prstGeom>
+            <a:noFill/>
+            <a:ln w="38100">
+              <a:solidFill>
+                <a:schemeClr val="accent1"/>
+              </a:solidFill>
+            </a:ln>
+          </p:spPr>
+          <p:style>
+            <a:lnRef idx="2">
+              <a:schemeClr val="accent1">
+                <a:shade val="15000"/>
+              </a:schemeClr>
+            </a:lnRef>
+            <a:fillRef idx="1">
+              <a:schemeClr val="accent1"/>
+            </a:fillRef>
+            <a:effectRef idx="0">
+              <a:schemeClr val="accent1"/>
+            </a:effectRef>
+            <a:fontRef idx="minor">
+              <a:schemeClr val="lt1"/>
+            </a:fontRef>
+          </p:style>
+          <p:txBody>
+            <a:bodyPr rtlCol="0" anchor="ctr"/>
+            <a:lstStyle/>
+            <a:p>
+              <a:pPr algn="ctr"/>
+              <a:endParaRPr lang="en-US"/>
+            </a:p>
+          </p:txBody>
+        </p:sp>
+        <p:sp>
+          <p:nvSpPr>
+            <p:cNvPr id="33" name="Heptagon 32">
+              <a:extLst>
+                <a:ext uri="{FF2B5EF4-FFF2-40B4-BE49-F238E27FC236}">
+                  <a16:creationId xmlns:a16="http://schemas.microsoft.com/office/drawing/2014/main" id="{6A96326A-0577-C1AE-FF92-B6C4D0BA60A8}"/>
+                </a:ext>
+              </a:extLst>
+            </p:cNvPr>
+            <p:cNvSpPr/>
+            <p:nvPr/>
+          </p:nvSpPr>
+          <p:spPr>
+            <a:xfrm>
+              <a:off x="10587434" y="2807637"/>
+              <a:ext cx="973369" cy="973369"/>
+            </a:xfrm>
+            <a:prstGeom prst="heptagon">
+              <a:avLst/>
+            </a:prstGeom>
+            <a:solidFill>
+              <a:srgbClr val="C00000"/>
+            </a:solidFill>
+          </p:spPr>
+          <p:style>
+            <a:lnRef idx="1">
+              <a:schemeClr val="accent2"/>
+            </a:lnRef>
+            <a:fillRef idx="2">
+              <a:schemeClr val="accent2"/>
+            </a:fillRef>
+            <a:effectRef idx="1">
+              <a:schemeClr val="accent2"/>
+            </a:effectRef>
+            <a:fontRef idx="minor">
+              <a:schemeClr val="dk1"/>
+            </a:fontRef>
+          </p:style>
+          <p:txBody>
+            <a:bodyPr rtlCol="0" anchor="ctr"/>
+            <a:lstStyle/>
+            <a:p>
+              <a:pPr algn="ctr"/>
+              <a:r>
+                <a:rPr lang="en-US" b="1" dirty="0">
+                  <a:solidFill>
+                    <a:srgbClr val="FFFF00"/>
+                  </a:solidFill>
+                </a:rPr>
+                <a:t>Fault Label</a:t>
+              </a:r>
+            </a:p>
+          </p:txBody>
+        </p:sp>
+        <p:sp>
+          <p:nvSpPr>
+            <p:cNvPr id="34" name="Arrow: Right 33">
+              <a:extLst>
+                <a:ext uri="{FF2B5EF4-FFF2-40B4-BE49-F238E27FC236}">
+                  <a16:creationId xmlns:a16="http://schemas.microsoft.com/office/drawing/2014/main" id="{95D21C0B-1F45-3F42-D621-532573BEA2FC}"/>
+                </a:ext>
+              </a:extLst>
+            </p:cNvPr>
+            <p:cNvSpPr/>
+            <p:nvPr/>
+          </p:nvSpPr>
+          <p:spPr>
+            <a:xfrm>
+              <a:off x="1743076" y="3278104"/>
+              <a:ext cx="278793" cy="150896"/>
+            </a:xfrm>
+            <a:prstGeom prst="rightArrow">
+              <a:avLst/>
+            </a:prstGeom>
+          </p:spPr>
+          <p:style>
+            <a:lnRef idx="2">
+              <a:schemeClr val="accent1">
+                <a:shade val="15000"/>
+              </a:schemeClr>
+            </a:lnRef>
+            <a:fillRef idx="1">
+              <a:schemeClr val="accent1"/>
+            </a:fillRef>
+            <a:effectRef idx="0">
+              <a:schemeClr val="accent1"/>
+            </a:effectRef>
+            <a:fontRef idx="minor">
+              <a:schemeClr val="lt1"/>
+            </a:fontRef>
+          </p:style>
+          <p:txBody>
+            <a:bodyPr rtlCol="0" anchor="ctr"/>
+            <a:lstStyle/>
+            <a:p>
+              <a:pPr algn="ctr"/>
+              <a:endParaRPr lang="en-US"/>
+            </a:p>
+          </p:txBody>
+        </p:sp>
+        <p:sp>
+          <p:nvSpPr>
+            <p:cNvPr id="35" name="Arrow: Right 34">
+              <a:extLst>
+                <a:ext uri="{FF2B5EF4-FFF2-40B4-BE49-F238E27FC236}">
+                  <a16:creationId xmlns:a16="http://schemas.microsoft.com/office/drawing/2014/main" id="{E8151C20-E35B-04F5-0E7A-1683BB0B5364}"/>
+                </a:ext>
+              </a:extLst>
+            </p:cNvPr>
+            <p:cNvSpPr/>
+            <p:nvPr/>
+          </p:nvSpPr>
+          <p:spPr>
+            <a:xfrm>
+              <a:off x="3268062" y="3278104"/>
+              <a:ext cx="278793" cy="150896"/>
+            </a:xfrm>
+            <a:prstGeom prst="rightArrow">
+              <a:avLst/>
+            </a:prstGeom>
+          </p:spPr>
+          <p:style>
+            <a:lnRef idx="2">
+              <a:schemeClr val="accent1">
+                <a:shade val="15000"/>
+              </a:schemeClr>
+            </a:lnRef>
+            <a:fillRef idx="1">
+              <a:schemeClr val="accent1"/>
+            </a:fillRef>
+            <a:effectRef idx="0">
+              <a:schemeClr val="accent1"/>
+            </a:effectRef>
+            <a:fontRef idx="minor">
+              <a:schemeClr val="lt1"/>
+            </a:fontRef>
+          </p:style>
+          <p:txBody>
+            <a:bodyPr rtlCol="0" anchor="ctr"/>
+            <a:lstStyle/>
+            <a:p>
+              <a:pPr algn="ctr"/>
+              <a:endParaRPr lang="en-US"/>
+            </a:p>
+          </p:txBody>
+        </p:sp>
+        <p:sp>
+          <p:nvSpPr>
+            <p:cNvPr id="36" name="Arrow: Right 35">
+              <a:extLst>
+                <a:ext uri="{FF2B5EF4-FFF2-40B4-BE49-F238E27FC236}">
+                  <a16:creationId xmlns:a16="http://schemas.microsoft.com/office/drawing/2014/main" id="{9FC90BCC-BF3E-927F-3641-83D32608D568}"/>
+                </a:ext>
+              </a:extLst>
+            </p:cNvPr>
+            <p:cNvSpPr/>
+            <p:nvPr/>
+          </p:nvSpPr>
+          <p:spPr>
+            <a:xfrm>
+              <a:off x="5249622" y="3278104"/>
+              <a:ext cx="278793" cy="150896"/>
+            </a:xfrm>
+            <a:prstGeom prst="rightArrow">
+              <a:avLst/>
+            </a:prstGeom>
+          </p:spPr>
+          <p:style>
+            <a:lnRef idx="2">
+              <a:schemeClr val="accent1">
+                <a:shade val="15000"/>
+              </a:schemeClr>
+            </a:lnRef>
+            <a:fillRef idx="1">
+              <a:schemeClr val="accent1"/>
+            </a:fillRef>
+            <a:effectRef idx="0">
+              <a:schemeClr val="accent1"/>
+            </a:effectRef>
+            <a:fontRef idx="minor">
+              <a:schemeClr val="lt1"/>
+            </a:fontRef>
+          </p:style>
+          <p:txBody>
+            <a:bodyPr rtlCol="0" anchor="ctr"/>
+            <a:lstStyle/>
+            <a:p>
+              <a:pPr algn="ctr"/>
+              <a:endParaRPr lang="en-US"/>
+            </a:p>
+          </p:txBody>
+        </p:sp>
+        <p:sp>
+          <p:nvSpPr>
+            <p:cNvPr id="37" name="Arrow: Right 36">
+              <a:extLst>
+                <a:ext uri="{FF2B5EF4-FFF2-40B4-BE49-F238E27FC236}">
+                  <a16:creationId xmlns:a16="http://schemas.microsoft.com/office/drawing/2014/main" id="{C52B871F-BA20-1259-F447-460DC2216A27}"/>
+                </a:ext>
+              </a:extLst>
+            </p:cNvPr>
+            <p:cNvSpPr/>
+            <p:nvPr/>
+          </p:nvSpPr>
+          <p:spPr>
+            <a:xfrm>
+              <a:off x="6707250" y="3278104"/>
+              <a:ext cx="278793" cy="150896"/>
+            </a:xfrm>
+            <a:prstGeom prst="rightArrow">
+              <a:avLst/>
+            </a:prstGeom>
+          </p:spPr>
+          <p:style>
+            <a:lnRef idx="2">
+              <a:schemeClr val="accent1">
+                <a:shade val="15000"/>
+              </a:schemeClr>
+            </a:lnRef>
+            <a:fillRef idx="1">
+              <a:schemeClr val="accent1"/>
+            </a:fillRef>
+            <a:effectRef idx="0">
+              <a:schemeClr val="accent1"/>
+            </a:effectRef>
+            <a:fontRef idx="minor">
+              <a:schemeClr val="lt1"/>
+            </a:fontRef>
+          </p:style>
+          <p:txBody>
+            <a:bodyPr rtlCol="0" anchor="ctr"/>
+            <a:lstStyle/>
+            <a:p>
+              <a:pPr algn="ctr"/>
+              <a:endParaRPr lang="en-US"/>
+            </a:p>
+          </p:txBody>
+        </p:sp>
+        <p:sp>
+          <p:nvSpPr>
+            <p:cNvPr id="38" name="Arrow: Right 37">
+              <a:extLst>
+                <a:ext uri="{FF2B5EF4-FFF2-40B4-BE49-F238E27FC236}">
+                  <a16:creationId xmlns:a16="http://schemas.microsoft.com/office/drawing/2014/main" id="{C92ECB2E-4795-E95F-4073-B2BEB226B4EB}"/>
+                </a:ext>
+              </a:extLst>
+            </p:cNvPr>
+            <p:cNvSpPr/>
+            <p:nvPr/>
+          </p:nvSpPr>
+          <p:spPr>
+            <a:xfrm>
+              <a:off x="8461064" y="3278104"/>
+              <a:ext cx="278793" cy="150896"/>
+            </a:xfrm>
+            <a:prstGeom prst="rightArrow">
+              <a:avLst/>
+            </a:prstGeom>
+          </p:spPr>
+          <p:style>
+            <a:lnRef idx="2">
+              <a:schemeClr val="accent1">
+                <a:shade val="15000"/>
+              </a:schemeClr>
+            </a:lnRef>
+            <a:fillRef idx="1">
+              <a:schemeClr val="accent1"/>
+            </a:fillRef>
+            <a:effectRef idx="0">
+              <a:schemeClr val="accent1"/>
+            </a:effectRef>
+            <a:fontRef idx="minor">
+              <a:schemeClr val="lt1"/>
+            </a:fontRef>
+          </p:style>
+          <p:txBody>
+            <a:bodyPr rtlCol="0" anchor="ctr"/>
+            <a:lstStyle/>
+            <a:p>
+              <a:pPr algn="ctr"/>
+              <a:endParaRPr lang="en-US"/>
+            </a:p>
+          </p:txBody>
+        </p:sp>
+        <p:sp>
+          <p:nvSpPr>
+            <p:cNvPr id="39" name="Arrow: Right 38">
+              <a:extLst>
+                <a:ext uri="{FF2B5EF4-FFF2-40B4-BE49-F238E27FC236}">
+                  <a16:creationId xmlns:a16="http://schemas.microsoft.com/office/drawing/2014/main" id="{CF450CC0-BC17-C0FE-D5CB-16A888C499B5}"/>
+                </a:ext>
+              </a:extLst>
+            </p:cNvPr>
+            <p:cNvSpPr/>
+            <p:nvPr/>
+          </p:nvSpPr>
+          <p:spPr>
+            <a:xfrm>
+              <a:off x="10337347" y="3278104"/>
+              <a:ext cx="278793" cy="150896"/>
+            </a:xfrm>
+            <a:prstGeom prst="rightArrow">
+              <a:avLst/>
+            </a:prstGeom>
+          </p:spPr>
+          <p:style>
+            <a:lnRef idx="2">
+              <a:schemeClr val="accent1">
+                <a:shade val="15000"/>
+              </a:schemeClr>
+            </a:lnRef>
+            <a:fillRef idx="1">
+              <a:schemeClr val="accent1"/>
+            </a:fillRef>
+            <a:effectRef idx="0">
+              <a:schemeClr val="accent1"/>
+            </a:effectRef>
+            <a:fontRef idx="minor">
+              <a:schemeClr val="lt1"/>
+            </a:fontRef>
+          </p:style>
+          <p:txBody>
+            <a:bodyPr rtlCol="0" anchor="ctr"/>
+            <a:lstStyle/>
+            <a:p>
+              <a:pPr algn="ctr"/>
+              <a:endParaRPr lang="en-US"/>
+            </a:p>
+          </p:txBody>
+        </p:sp>
+      </p:grpSp>
+      <p:pic>
+        <p:nvPicPr>
+          <p:cNvPr id="41" name="Picture 40">
+            <a:extLst>
+              <a:ext uri="{FF2B5EF4-FFF2-40B4-BE49-F238E27FC236}">
+                <a16:creationId xmlns:a16="http://schemas.microsoft.com/office/drawing/2014/main" id="{1300082A-51D5-AC78-E09E-E567EF67E108}"/>
+              </a:ext>
+            </a:extLst>
+          </p:cNvPr>
+          <p:cNvPicPr>
+            <a:picLocks noChangeAspect="1"/>
+          </p:cNvPicPr>
+          <p:nvPr/>
+        </p:nvPicPr>
+        <p:blipFill>
+          <a:blip r:embed="rId7"/>
+          <a:stretch>
+            <a:fillRect/>
+          </a:stretch>
+        </p:blipFill>
+        <p:spPr>
+          <a:xfrm>
+            <a:off x="490242" y="3519248"/>
+            <a:ext cx="11211516" cy="1133954"/>
           </a:xfrm>
           <a:prstGeom prst="rect">
             <a:avLst/>
@@ -3435,7 +5234,73 @@
     </p:spTree>
     <p:extLst>
       <p:ext uri="{BB962C8B-B14F-4D97-AF65-F5344CB8AC3E}">
-        <p14:creationId xmlns:p14="http://schemas.microsoft.com/office/powerpoint/2010/main" val="732002996"/>
+        <p14:creationId xmlns:p14="http://schemas.microsoft.com/office/powerpoint/2010/main" val="1775194003"/>
+      </p:ext>
+    </p:extLst>
+  </p:cSld>
+  <p:clrMapOvr>
+    <a:masterClrMapping/>
+  </p:clrMapOvr>
+</p:sld>
+</file>
+
+<file path=ppt/slides/slide4.xml><?xml version="1.0" encoding="utf-8"?>
+<p:sld xmlns:a="http://schemas.openxmlformats.org/drawingml/2006/main" xmlns:r="http://schemas.openxmlformats.org/officeDocument/2006/relationships" xmlns:p="http://schemas.openxmlformats.org/presentationml/2006/main">
+  <p:cSld>
+    <p:spTree>
+      <p:nvGrpSpPr>
+        <p:cNvPr id="1" name=""/>
+        <p:cNvGrpSpPr/>
+        <p:nvPr/>
+      </p:nvGrpSpPr>
+      <p:grpSpPr>
+        <a:xfrm>
+          <a:off x="0" y="0"/>
+          <a:ext cx="0" cy="0"/>
+          <a:chOff x="0" y="0"/>
+          <a:chExt cx="0" cy="0"/>
+        </a:xfrm>
+      </p:grpSpPr>
+      <p:pic>
+        <p:nvPicPr>
+          <p:cNvPr id="3" name="Picture 2" descr="A black and blue background with many small squares&#10;&#10;Description automatically generated with medium confidence">
+            <a:extLst>
+              <a:ext uri="{FF2B5EF4-FFF2-40B4-BE49-F238E27FC236}">
+                <a16:creationId xmlns:a16="http://schemas.microsoft.com/office/drawing/2014/main" id="{0511ED10-8C0C-4F9E-9074-00A9E6A4AB40}"/>
+              </a:ext>
+            </a:extLst>
+          </p:cNvPr>
+          <p:cNvPicPr>
+            <a:picLocks noChangeAspect="1"/>
+          </p:cNvPicPr>
+          <p:nvPr/>
+        </p:nvPicPr>
+        <p:blipFill>
+          <a:blip r:embed="rId2">
+            <a:extLst>
+              <a:ext uri="{28A0092B-C50C-407E-A947-70E740481C1C}">
+                <a14:useLocalDpi xmlns:a14="http://schemas.microsoft.com/office/drawing/2010/main" val="0"/>
+              </a:ext>
+            </a:extLst>
+          </a:blip>
+          <a:stretch>
+            <a:fillRect/>
+          </a:stretch>
+        </p:blipFill>
+        <p:spPr>
+          <a:xfrm>
+            <a:off x="2328622" y="0"/>
+            <a:ext cx="7534756" cy="6858000"/>
+          </a:xfrm>
+          <a:prstGeom prst="rect">
+            <a:avLst/>
+          </a:prstGeom>
+        </p:spPr>
+      </p:pic>
+    </p:spTree>
+    <p:extLst>
+      <p:ext uri="{BB962C8B-B14F-4D97-AF65-F5344CB8AC3E}">
+        <p14:creationId xmlns:p14="http://schemas.microsoft.com/office/powerpoint/2010/main" val="8472355"/>
       </p:ext>
     </p:extLst>
   </p:cSld>
